--- a/presentations/14-Governance.pptx
+++ b/presentations/14-Governance.pptx
@@ -240,7 +240,7 @@
             <a:fld id="{7307762F-A706-E543-A832-3C298AA3103F}" type="datetimeFigureOut">
               <a:rPr lang="en-US" smtClean="0"/>
               <a:pPr/>
-              <a:t>09/12/2012</a:t>
+              <a:t>13/12/2012</a:t>
             </a:fld>
             <a:endParaRPr lang="en-US" dirty="0"/>
           </a:p>
@@ -928,7 +928,7 @@
           <a:p>
             <a:fld id="{875CF0EB-321F-0749-B37A-89BBA859503C}" type="datetimeFigureOut">
               <a:rPr lang="en-US" smtClean="0"/>
-              <a:t>09/12/2012</a:t>
+              <a:t>13/12/2012</a:t>
             </a:fld>
             <a:endParaRPr lang="en-US"/>
           </a:p>
@@ -1132,7 +1132,7 @@
           <a:p>
             <a:fld id="{875CF0EB-321F-0749-B37A-89BBA859503C}" type="datetimeFigureOut">
               <a:rPr lang="en-US" smtClean="0"/>
-              <a:t>09/12/2012</a:t>
+              <a:t>13/12/2012</a:t>
             </a:fld>
             <a:endParaRPr lang="en-US"/>
           </a:p>
@@ -1474,7 +1474,7 @@
           <a:p>
             <a:fld id="{875CF0EB-321F-0749-B37A-89BBA859503C}" type="datetimeFigureOut">
               <a:rPr lang="en-US" smtClean="0"/>
-              <a:t>09/12/2012</a:t>
+              <a:t>13/12/2012</a:t>
             </a:fld>
             <a:endParaRPr lang="en-US"/>
           </a:p>
@@ -1744,7 +1744,7 @@
           <a:p>
             <a:fld id="{875CF0EB-321F-0749-B37A-89BBA859503C}" type="datetimeFigureOut">
               <a:rPr lang="en-US" smtClean="0"/>
-              <a:t>09/12/2012</a:t>
+              <a:t>13/12/2012</a:t>
             </a:fld>
             <a:endParaRPr lang="en-US"/>
           </a:p>
@@ -2056,7 +2056,7 @@
           <a:p>
             <a:fld id="{875CF0EB-321F-0749-B37A-89BBA859503C}" type="datetimeFigureOut">
               <a:rPr lang="en-US" smtClean="0"/>
-              <a:t>09/12/2012</a:t>
+              <a:t>13/12/2012</a:t>
             </a:fld>
             <a:endParaRPr lang="en-US"/>
           </a:p>
@@ -2502,7 +2502,7 @@
           <a:p>
             <a:fld id="{875CF0EB-321F-0749-B37A-89BBA859503C}" type="datetimeFigureOut">
               <a:rPr lang="en-US" smtClean="0"/>
-              <a:t>09/12/2012</a:t>
+              <a:t>13/12/2012</a:t>
             </a:fld>
             <a:endParaRPr lang="en-US"/>
           </a:p>
@@ -2644,7 +2644,7 @@
           <a:p>
             <a:fld id="{875CF0EB-321F-0749-B37A-89BBA859503C}" type="datetimeFigureOut">
               <a:rPr lang="en-US" smtClean="0"/>
-              <a:t>09/12/2012</a:t>
+              <a:t>13/12/2012</a:t>
             </a:fld>
             <a:endParaRPr lang="en-US"/>
           </a:p>
@@ -2763,7 +2763,7 @@
           <a:p>
             <a:fld id="{875CF0EB-321F-0749-B37A-89BBA859503C}" type="datetimeFigureOut">
               <a:rPr lang="en-US" smtClean="0"/>
-              <a:t>09/12/2012</a:t>
+              <a:t>13/12/2012</a:t>
             </a:fld>
             <a:endParaRPr lang="en-US"/>
           </a:p>
@@ -3064,7 +3064,7 @@
           <a:p>
             <a:fld id="{875CF0EB-321F-0749-B37A-89BBA859503C}" type="datetimeFigureOut">
               <a:rPr lang="en-US" smtClean="0"/>
-              <a:t>09/12/2012</a:t>
+              <a:t>13/12/2012</a:t>
             </a:fld>
             <a:endParaRPr lang="en-US"/>
           </a:p>
@@ -3341,7 +3341,7 @@
           <a:p>
             <a:fld id="{875CF0EB-321F-0749-B37A-89BBA859503C}" type="datetimeFigureOut">
               <a:rPr lang="en-US" smtClean="0"/>
-              <a:t>09/12/2012</a:t>
+              <a:t>13/12/2012</a:t>
             </a:fld>
             <a:endParaRPr lang="en-US"/>
           </a:p>
@@ -4179,6 +4179,13 @@
   <p:clrMapOvr>
     <a:masterClrMapping/>
   </p:clrMapOvr>
+  <p:timing>
+    <p:tnLst>
+      <p:par>
+        <p:cTn xmlns:p14="http://schemas.microsoft.com/office/powerpoint/2010/main" id="1" dur="indefinite" restart="never" nodeType="tmRoot"/>
+      </p:par>
+    </p:tnLst>
+  </p:timing>
 </p:sld>
 </file>
 
@@ -4347,6 +4354,13 @@
   <p:clrMapOvr>
     <a:masterClrMapping/>
   </p:clrMapOvr>
+  <p:timing>
+    <p:tnLst>
+      <p:par>
+        <p:cTn xmlns:p14="http://schemas.microsoft.com/office/powerpoint/2010/main" id="1" dur="indefinite" restart="never" nodeType="tmRoot"/>
+      </p:par>
+    </p:tnLst>
+  </p:timing>
 </p:sld>
 </file>
 
@@ -4430,7 +4444,6 @@
               <a:rPr lang="en-US" dirty="0"/>
               <a:t>to technological experience; likely to be uncoordinated </a:t>
             </a:r>
-            <a:endParaRPr lang="en-US" dirty="0"/>
           </a:p>
           <a:p>
             <a:r>
@@ -4486,7 +4499,6 @@
               <a:rPr lang="en-US" dirty="0"/>
               <a:t>for infrastructure; focus on technical aspects </a:t>
             </a:r>
-            <a:endParaRPr lang="en-US" dirty="0"/>
           </a:p>
           <a:p>
             <a:r>
@@ -4545,6 +4557,13 @@
   <p:clrMapOvr>
     <a:masterClrMapping/>
   </p:clrMapOvr>
+  <p:timing>
+    <p:tnLst>
+      <p:par>
+        <p:cTn xmlns:p14="http://schemas.microsoft.com/office/powerpoint/2010/main" id="1" dur="indefinite" restart="never" nodeType="tmRoot"/>
+      </p:par>
+    </p:tnLst>
+  </p:timing>
 </p:sld>
 </file>
 
@@ -4598,6 +4617,13 @@
   <p:clrMapOvr>
     <a:masterClrMapping/>
   </p:clrMapOvr>
+  <p:timing>
+    <p:tnLst>
+      <p:par>
+        <p:cTn xmlns:p14="http://schemas.microsoft.com/office/powerpoint/2010/main" id="1" dur="indefinite" restart="never" nodeType="tmRoot"/>
+      </p:par>
+    </p:tnLst>
+  </p:timing>
 </p:sld>
 </file>
 
@@ -4710,6 +4736,13 @@
   <p:clrMapOvr>
     <a:masterClrMapping/>
   </p:clrMapOvr>
+  <p:timing>
+    <p:tnLst>
+      <p:par>
+        <p:cTn xmlns:p14="http://schemas.microsoft.com/office/powerpoint/2010/main" id="1" dur="indefinite" restart="never" nodeType="tmRoot"/>
+      </p:par>
+    </p:tnLst>
+  </p:timing>
 </p:sld>
 </file>
 
@@ -4813,6 +4846,13 @@
   <p:clrMapOvr>
     <a:masterClrMapping/>
   </p:clrMapOvr>
+  <p:timing>
+    <p:tnLst>
+      <p:par>
+        <p:cTn xmlns:p14="http://schemas.microsoft.com/office/powerpoint/2010/main" id="1" dur="indefinite" restart="never" nodeType="tmRoot"/>
+      </p:par>
+    </p:tnLst>
+  </p:timing>
 </p:sld>
 </file>
 
@@ -4890,6 +4930,13 @@
   <p:clrMapOvr>
     <a:masterClrMapping/>
   </p:clrMapOvr>
+  <p:timing>
+    <p:tnLst>
+      <p:par>
+        <p:cTn xmlns:p14="http://schemas.microsoft.com/office/powerpoint/2010/main" id="1" dur="indefinite" restart="never" nodeType="tmRoot"/>
+      </p:par>
+    </p:tnLst>
+  </p:timing>
 </p:sld>
 </file>
 
@@ -4967,6 +5014,13 @@
   <p:clrMapOvr>
     <a:masterClrMapping/>
   </p:clrMapOvr>
+  <p:timing>
+    <p:tnLst>
+      <p:par>
+        <p:cTn xmlns:p14="http://schemas.microsoft.com/office/powerpoint/2010/main" id="1" dur="indefinite" restart="never" nodeType="tmRoot"/>
+      </p:par>
+    </p:tnLst>
+  </p:timing>
 </p:sld>
 </file>
 
@@ -5099,6 +5153,13 @@
   <p:clrMapOvr>
     <a:masterClrMapping/>
   </p:clrMapOvr>
+  <p:timing>
+    <p:tnLst>
+      <p:par>
+        <p:cTn xmlns:p14="http://schemas.microsoft.com/office/powerpoint/2010/main" id="1" dur="indefinite" restart="never" nodeType="tmRoot"/>
+      </p:par>
+    </p:tnLst>
+  </p:timing>
 </p:sld>
 </file>
 
@@ -5272,6 +5333,13 @@
   <p:clrMapOvr>
     <a:masterClrMapping/>
   </p:clrMapOvr>
+  <p:timing>
+    <p:tnLst>
+      <p:par>
+        <p:cTn xmlns:p14="http://schemas.microsoft.com/office/powerpoint/2010/main" id="1" dur="indefinite" restart="never" nodeType="tmRoot"/>
+      </p:par>
+    </p:tnLst>
+  </p:timing>
 </p:sld>
 </file>
 
@@ -5403,6 +5471,13 @@
   <p:clrMapOvr>
     <a:masterClrMapping/>
   </p:clrMapOvr>
+  <p:timing>
+    <p:tnLst>
+      <p:par>
+        <p:cTn xmlns:p14="http://schemas.microsoft.com/office/powerpoint/2010/main" id="1" dur="indefinite" restart="never" nodeType="tmRoot"/>
+      </p:par>
+    </p:tnLst>
+  </p:timing>
 </p:sld>
 </file>
 
@@ -5502,6 +5577,13 @@
   <p:clrMapOvr>
     <a:masterClrMapping/>
   </p:clrMapOvr>
+  <p:timing>
+    <p:tnLst>
+      <p:par>
+        <p:cTn xmlns:p14="http://schemas.microsoft.com/office/powerpoint/2010/main" id="1" dur="indefinite" restart="never" nodeType="tmRoot"/>
+      </p:par>
+    </p:tnLst>
+  </p:timing>
 </p:sld>
 </file>
 
@@ -5612,6 +5694,13 @@
   <p:clrMapOvr>
     <a:masterClrMapping/>
   </p:clrMapOvr>
+  <p:timing>
+    <p:tnLst>
+      <p:par>
+        <p:cTn xmlns:p14="http://schemas.microsoft.com/office/powerpoint/2010/main" id="1" dur="indefinite" restart="never" nodeType="tmRoot"/>
+      </p:par>
+    </p:tnLst>
+  </p:timing>
 </p:sld>
 </file>
 
@@ -5734,6 +5823,13 @@
   <p:clrMapOvr>
     <a:masterClrMapping/>
   </p:clrMapOvr>
+  <p:timing>
+    <p:tnLst>
+      <p:par>
+        <p:cTn xmlns:p14="http://schemas.microsoft.com/office/powerpoint/2010/main" id="1" dur="indefinite" restart="never" nodeType="tmRoot"/>
+      </p:par>
+    </p:tnLst>
+  </p:timing>
 </p:sld>
 </file>
 
@@ -5867,6 +5963,13 @@
   <p:clrMapOvr>
     <a:masterClrMapping/>
   </p:clrMapOvr>
+  <p:timing>
+    <p:tnLst>
+      <p:par>
+        <p:cTn xmlns:p14="http://schemas.microsoft.com/office/powerpoint/2010/main" id="1" dur="indefinite" restart="never" nodeType="tmRoot"/>
+      </p:par>
+    </p:tnLst>
+  </p:timing>
 </p:sld>
 </file>
 
@@ -5995,6 +6098,13 @@
   <p:clrMapOvr>
     <a:masterClrMapping/>
   </p:clrMapOvr>
+  <p:timing>
+    <p:tnLst>
+      <p:par>
+        <p:cTn xmlns:p14="http://schemas.microsoft.com/office/powerpoint/2010/main" id="1" dur="indefinite" restart="never" nodeType="tmRoot"/>
+      </p:par>
+    </p:tnLst>
+  </p:timing>
 </p:sld>
 </file>
 
@@ -6102,6 +6212,13 @@
   <p:clrMapOvr>
     <a:masterClrMapping/>
   </p:clrMapOvr>
+  <p:timing>
+    <p:tnLst>
+      <p:par>
+        <p:cTn xmlns:p14="http://schemas.microsoft.com/office/powerpoint/2010/main" id="1" dur="indefinite" restart="never" nodeType="tmRoot"/>
+      </p:par>
+    </p:tnLst>
+  </p:timing>
 </p:sld>
 </file>
 
@@ -6207,6 +6324,13 @@
   <p:clrMapOvr>
     <a:masterClrMapping/>
   </p:clrMapOvr>
+  <p:timing>
+    <p:tnLst>
+      <p:par>
+        <p:cTn xmlns:p14="http://schemas.microsoft.com/office/powerpoint/2010/main" id="1" dur="indefinite" restart="never" nodeType="tmRoot"/>
+      </p:par>
+    </p:tnLst>
+  </p:timing>
 </p:sld>
 </file>
 
@@ -6371,6 +6495,13 @@
   <p:clrMapOvr>
     <a:masterClrMapping/>
   </p:clrMapOvr>
+  <p:timing>
+    <p:tnLst>
+      <p:par>
+        <p:cTn xmlns:p14="http://schemas.microsoft.com/office/powerpoint/2010/main" id="1" dur="indefinite" restart="never" nodeType="tmRoot"/>
+      </p:par>
+    </p:tnLst>
+  </p:timing>
 </p:sld>
 </file>
 
@@ -6471,6 +6602,13 @@
   <p:clrMapOvr>
     <a:masterClrMapping/>
   </p:clrMapOvr>
+  <p:timing>
+    <p:tnLst>
+      <p:par>
+        <p:cTn xmlns:p14="http://schemas.microsoft.com/office/powerpoint/2010/main" id="1" dur="indefinite" restart="never" nodeType="tmRoot"/>
+      </p:par>
+    </p:tnLst>
+  </p:timing>
 </p:sld>
 </file>
 
@@ -6575,6 +6713,13 @@
   <p:clrMapOvr>
     <a:masterClrMapping/>
   </p:clrMapOvr>
+  <p:timing>
+    <p:tnLst>
+      <p:par>
+        <p:cTn xmlns:p14="http://schemas.microsoft.com/office/powerpoint/2010/main" id="1" dur="indefinite" restart="never" nodeType="tmRoot"/>
+      </p:par>
+    </p:tnLst>
+  </p:timing>
 </p:sld>
 </file>
 
@@ -6652,6 +6797,13 @@
   <p:clrMapOvr>
     <a:masterClrMapping/>
   </p:clrMapOvr>
+  <p:timing>
+    <p:tnLst>
+      <p:par>
+        <p:cTn xmlns:p14="http://schemas.microsoft.com/office/powerpoint/2010/main" id="1" dur="indefinite" restart="never" nodeType="tmRoot"/>
+      </p:par>
+    </p:tnLst>
+  </p:timing>
 </p:sld>
 </file>
 
@@ -6729,6 +6881,13 @@
   <p:clrMapOvr>
     <a:masterClrMapping/>
   </p:clrMapOvr>
+  <p:timing>
+    <p:tnLst>
+      <p:par>
+        <p:cTn xmlns:p14="http://schemas.microsoft.com/office/powerpoint/2010/main" id="1" dur="indefinite" restart="never" nodeType="tmRoot"/>
+      </p:par>
+    </p:tnLst>
+  </p:timing>
 </p:sld>
 </file>
 
@@ -6834,6 +6993,13 @@
   <p:clrMapOvr>
     <a:masterClrMapping/>
   </p:clrMapOvr>
+  <p:timing>
+    <p:tnLst>
+      <p:par>
+        <p:cTn xmlns:p14="http://schemas.microsoft.com/office/powerpoint/2010/main" id="1" dur="indefinite" restart="never" nodeType="tmRoot"/>
+      </p:par>
+    </p:tnLst>
+  </p:timing>
 </p:sld>
 </file>
 
@@ -7428,6 +7594,13 @@
   <p:clrMapOvr>
     <a:masterClrMapping/>
   </p:clrMapOvr>
+  <p:timing>
+    <p:tnLst>
+      <p:par>
+        <p:cTn xmlns:p14="http://schemas.microsoft.com/office/powerpoint/2010/main" id="1" dur="indefinite" restart="never" nodeType="tmRoot"/>
+      </p:par>
+    </p:tnLst>
+  </p:timing>
 </p:sld>
 </file>
 
@@ -7481,6 +7654,13 @@
   <p:clrMapOvr>
     <a:masterClrMapping/>
   </p:clrMapOvr>
+  <p:timing>
+    <p:tnLst>
+      <p:par>
+        <p:cTn xmlns:p14="http://schemas.microsoft.com/office/powerpoint/2010/main" id="1" dur="indefinite" restart="never" nodeType="tmRoot"/>
+      </p:par>
+    </p:tnLst>
+  </p:timing>
 </p:sld>
 </file>
 
@@ -7600,14 +7780,21 @@
   <p:clrMapOvr>
     <a:masterClrMapping/>
   </p:clrMapOvr>
-  <mc:AlternateContent xmlns:mc="http://schemas.openxmlformats.org/markup-compatibility/2006">
-    <mc:Choice xmlns:p14="http://schemas.microsoft.com/office/powerpoint/2010/main" Requires="p14">
+  <mc:AlternateContent xmlns:mc="http://schemas.openxmlformats.org/markup-compatibility/2006" xmlns:p14="http://schemas.microsoft.com/office/powerpoint/2010/main">
+    <mc:Choice Requires="p14">
       <p:transition spd="slow" p14:dur="2000"/>
     </mc:Choice>
-    <mc:Fallback>
+    <mc:Fallback xmlns="">
       <p:transition xmlns:p14="http://schemas.microsoft.com/office/powerpoint/2010/main" spd="slow"/>
     </mc:Fallback>
   </mc:AlternateContent>
+  <p:timing>
+    <p:tnLst>
+      <p:par>
+        <p:cTn xmlns:p14="http://schemas.microsoft.com/office/powerpoint/2010/main" id="1" dur="indefinite" restart="never" nodeType="tmRoot"/>
+      </p:par>
+    </p:tnLst>
+  </p:timing>
 </p:sld>
 </file>
 
@@ -7727,14 +7914,21 @@
   <p:clrMapOvr>
     <a:masterClrMapping/>
   </p:clrMapOvr>
-  <mc:AlternateContent xmlns:mc="http://schemas.openxmlformats.org/markup-compatibility/2006">
-    <mc:Choice xmlns:p14="http://schemas.microsoft.com/office/powerpoint/2010/main" Requires="p14">
+  <mc:AlternateContent xmlns:mc="http://schemas.openxmlformats.org/markup-compatibility/2006" xmlns:p14="http://schemas.microsoft.com/office/powerpoint/2010/main">
+    <mc:Choice Requires="p14">
       <p:transition spd="slow" p14:dur="2000"/>
     </mc:Choice>
-    <mc:Fallback>
+    <mc:Fallback xmlns="">
       <p:transition xmlns:p14="http://schemas.microsoft.com/office/powerpoint/2010/main" spd="slow"/>
     </mc:Fallback>
   </mc:AlternateContent>
+  <p:timing>
+    <p:tnLst>
+      <p:par>
+        <p:cTn xmlns:p14="http://schemas.microsoft.com/office/powerpoint/2010/main" id="1" dur="indefinite" restart="never" nodeType="tmRoot"/>
+      </p:par>
+    </p:tnLst>
+  </p:timing>
 </p:sld>
 </file>
 
@@ -7850,14 +8044,21 @@
   <p:clrMapOvr>
     <a:masterClrMapping/>
   </p:clrMapOvr>
-  <mc:AlternateContent xmlns:mc="http://schemas.openxmlformats.org/markup-compatibility/2006">
-    <mc:Choice xmlns:p14="http://schemas.microsoft.com/office/powerpoint/2010/main" Requires="p14">
+  <mc:AlternateContent xmlns:mc="http://schemas.openxmlformats.org/markup-compatibility/2006" xmlns:p14="http://schemas.microsoft.com/office/powerpoint/2010/main">
+    <mc:Choice Requires="p14">
       <p:transition spd="slow" p14:dur="2000"/>
     </mc:Choice>
-    <mc:Fallback>
+    <mc:Fallback xmlns="">
       <p:transition xmlns:p14="http://schemas.microsoft.com/office/powerpoint/2010/main" spd="slow"/>
     </mc:Fallback>
   </mc:AlternateContent>
+  <p:timing>
+    <p:tnLst>
+      <p:par>
+        <p:cTn xmlns:p14="http://schemas.microsoft.com/office/powerpoint/2010/main" id="1" dur="indefinite" restart="never" nodeType="tmRoot"/>
+      </p:par>
+    </p:tnLst>
+  </p:timing>
 </p:sld>
 </file>
 
@@ -7993,14 +8194,21 @@
   <p:clrMapOvr>
     <a:masterClrMapping/>
   </p:clrMapOvr>
-  <mc:AlternateContent xmlns:mc="http://schemas.openxmlformats.org/markup-compatibility/2006">
-    <mc:Choice xmlns:p14="http://schemas.microsoft.com/office/powerpoint/2010/main" Requires="p14">
+  <mc:AlternateContent xmlns:mc="http://schemas.openxmlformats.org/markup-compatibility/2006" xmlns:p14="http://schemas.microsoft.com/office/powerpoint/2010/main">
+    <mc:Choice Requires="p14">
       <p:transition spd="slow" p14:dur="2000"/>
     </mc:Choice>
-    <mc:Fallback>
+    <mc:Fallback xmlns="">
       <p:transition xmlns:p14="http://schemas.microsoft.com/office/powerpoint/2010/main" spd="slow"/>
     </mc:Fallback>
   </mc:AlternateContent>
+  <p:timing>
+    <p:tnLst>
+      <p:par>
+        <p:cTn xmlns:p14="http://schemas.microsoft.com/office/powerpoint/2010/main" id="1" dur="indefinite" restart="never" nodeType="tmRoot"/>
+      </p:par>
+    </p:tnLst>
+  </p:timing>
 </p:sld>
 </file>
 
@@ -8115,6 +8323,13 @@
   <p:clrMapOvr>
     <a:masterClrMapping/>
   </p:clrMapOvr>
+  <p:timing>
+    <p:tnLst>
+      <p:par>
+        <p:cTn xmlns:p14="http://schemas.microsoft.com/office/powerpoint/2010/main" id="1" dur="indefinite" restart="never" nodeType="tmRoot"/>
+      </p:par>
+    </p:tnLst>
+  </p:timing>
 </p:sld>
 </file>
 
@@ -11987,6 +12202,13 @@
   <p:clrMapOvr>
     <a:masterClrMapping/>
   </p:clrMapOvr>
+  <p:timing>
+    <p:tnLst>
+      <p:par>
+        <p:cTn xmlns:p14="http://schemas.microsoft.com/office/powerpoint/2010/main" id="1" dur="indefinite" restart="never" nodeType="tmRoot"/>
+      </p:par>
+    </p:tnLst>
+  </p:timing>
 </p:sld>
 </file>
 
@@ -12438,10 +12660,6 @@
               </a:rPr>
               <a:t>; </a:t>
             </a:r>
-            <a:endParaRPr lang="en-US" sz="1800" b="1" dirty="0">
-              <a:latin typeface="Courier New"/>
-              <a:cs typeface="Courier New"/>
-            </a:endParaRPr>
           </a:p>
         </p:txBody>
       </p:sp>
@@ -12650,6 +12868,13 @@
   <p:clrMapOvr>
     <a:masterClrMapping/>
   </p:clrMapOvr>
+  <p:timing>
+    <p:tnLst>
+      <p:par>
+        <p:cTn xmlns:p14="http://schemas.microsoft.com/office/powerpoint/2010/main" id="1" dur="indefinite" restart="never" nodeType="tmRoot"/>
+      </p:par>
+    </p:tnLst>
+  </p:timing>
 </p:sld>
 </file>
 
@@ -12842,6 +13067,13 @@
   <p:clrMapOvr>
     <a:masterClrMapping/>
   </p:clrMapOvr>
+  <p:timing>
+    <p:tnLst>
+      <p:par>
+        <p:cTn xmlns:p14="http://schemas.microsoft.com/office/powerpoint/2010/main" id="1" dur="indefinite" restart="never" nodeType="tmRoot"/>
+      </p:par>
+    </p:tnLst>
+  </p:timing>
 </p:sld>
 </file>
 
@@ -12955,7 +13187,6 @@
               <a:rPr lang="en-US" dirty="0"/>
               <a:t>“solutions managers” </a:t>
             </a:r>
-            <a:endParaRPr lang="en-US" dirty="0"/>
           </a:p>
           <a:p>
             <a:r>
@@ -12970,7 +13201,6 @@
               <a:rPr lang="en-US" dirty="0"/>
               <a:t>collaboration and trust </a:t>
             </a:r>
-            <a:endParaRPr lang="en-US" dirty="0"/>
           </a:p>
           <a:p>
             <a:r>
@@ -12998,6 +13228,13 @@
   <p:clrMapOvr>
     <a:masterClrMapping/>
   </p:clrMapOvr>
+  <p:timing>
+    <p:tnLst>
+      <p:par>
+        <p:cTn xmlns:p14="http://schemas.microsoft.com/office/powerpoint/2010/main" id="1" dur="indefinite" restart="never" nodeType="tmRoot"/>
+      </p:par>
+    </p:tnLst>
+  </p:timing>
 </p:sld>
 </file>
 
@@ -13062,7 +13299,6 @@
               <a:rPr lang="en-US" dirty="0"/>
               <a:t>Any organization that designs a system will inevitably produce a design whose structure is a copy of the organization’s communication structure. </a:t>
             </a:r>
-            <a:endParaRPr lang="en-US" dirty="0"/>
           </a:p>
           <a:p>
             <a:pPr marL="0" indent="0">
@@ -13150,7 +13386,6 @@
               <a:rPr lang="en-US" dirty="0"/>
               <a:t>: “If you have four groups working on a compiler, you’ll get a 4-pass compiler.” </a:t>
             </a:r>
-            <a:endParaRPr lang="en-US" dirty="0"/>
           </a:p>
           <a:p>
             <a:endParaRPr lang="en-US" dirty="0"/>
@@ -13167,6 +13402,13 @@
   <p:clrMapOvr>
     <a:masterClrMapping/>
   </p:clrMapOvr>
+  <p:timing>
+    <p:tnLst>
+      <p:par>
+        <p:cTn xmlns:p14="http://schemas.microsoft.com/office/powerpoint/2010/main" id="1" dur="indefinite" restart="never" nodeType="tmRoot"/>
+      </p:par>
+    </p:tnLst>
+  </p:timing>
 </p:sld>
 </file>
 
@@ -13244,6 +13486,13 @@
   <p:clrMapOvr>
     <a:masterClrMapping/>
   </p:clrMapOvr>
+  <p:timing>
+    <p:tnLst>
+      <p:par>
+        <p:cTn xmlns:p14="http://schemas.microsoft.com/office/powerpoint/2010/main" id="1" dur="indefinite" restart="never" nodeType="tmRoot"/>
+      </p:par>
+    </p:tnLst>
+  </p:timing>
 </p:sld>
 </file>
 
@@ -13339,6 +13588,13 @@
   <p:clrMapOvr>
     <a:masterClrMapping/>
   </p:clrMapOvr>
+  <p:timing>
+    <p:tnLst>
+      <p:par>
+        <p:cTn xmlns:p14="http://schemas.microsoft.com/office/powerpoint/2010/main" id="1" dur="indefinite" restart="never" nodeType="tmRoot"/>
+      </p:par>
+    </p:tnLst>
+  </p:timing>
 </p:sld>
 </file>
 
@@ -13467,11 +13723,7 @@
             </a:r>
             <a:r>
               <a:rPr lang="en-US" dirty="0"/>
-              <a:t>decisions: preferred technology, message </a:t>
-            </a:r>
-            <a:r>
-              <a:rPr lang="en-US" dirty="0"/>
-              <a:t>e</a:t>
+              <a:t>decisions: preferred technology, message e</a:t>
             </a:r>
             <a:r>
               <a:rPr lang="en-US" dirty="0" smtClean="0"/>
@@ -13553,7 +13805,6 @@
               <a:rPr lang="en-US" dirty="0"/>
               <a:t>and document, in standard notations </a:t>
             </a:r>
-            <a:endParaRPr lang="en-US" dirty="0"/>
           </a:p>
           <a:p>
             <a:endParaRPr lang="en-US" dirty="0"/>
@@ -13570,6 +13821,13 @@
   <p:clrMapOvr>
     <a:masterClrMapping/>
   </p:clrMapOvr>
+  <p:timing>
+    <p:tnLst>
+      <p:par>
+        <p:cTn xmlns:p14="http://schemas.microsoft.com/office/powerpoint/2010/main" id="1" dur="indefinite" restart="never" nodeType="tmRoot"/>
+      </p:par>
+    </p:tnLst>
+  </p:timing>
 </p:sld>
 </file>
 
